--- a/img/logo.pptx
+++ b/img/logo.pptx
@@ -5,10 +5,11 @@
     <p:sldMasterId id="2147483648" r:id="rId1"/>
   </p:sldMasterIdLst>
   <p:notesMasterIdLst>
-    <p:notesMasterId r:id="rId3"/>
+    <p:notesMasterId r:id="rId4"/>
   </p:notesMasterIdLst>
   <p:sldIdLst>
     <p:sldId id="256" r:id="rId2"/>
+    <p:sldId id="257" r:id="rId3"/>
   </p:sldIdLst>
   <p:sldSz cx="12192000" cy="6858000"/>
   <p:notesSz cx="6858000" cy="9144000"/>
@@ -128,7 +129,7 @@
   <pc:docChgLst>
     <pc:chgData name="Toufique Mahlangu" userId="a9111f69-c5f6-4786-8d4e-097090edd47a" providerId="ADAL" clId="{86D9F347-64C6-443A-A4E1-79882169E894}"/>
     <pc:docChg chg="undo redo custSel addSld delSld modSld">
-      <pc:chgData name="Toufique Mahlangu" userId="a9111f69-c5f6-4786-8d4e-097090edd47a" providerId="ADAL" clId="{86D9F347-64C6-443A-A4E1-79882169E894}" dt="2025-04-10T12:59:46.500" v="625" actId="1076"/>
+      <pc:chgData name="Toufique Mahlangu" userId="a9111f69-c5f6-4786-8d4e-097090edd47a" providerId="ADAL" clId="{86D9F347-64C6-443A-A4E1-79882169E894}" dt="2025-04-11T13:19:35.180" v="631" actId="14100"/>
       <pc:docMkLst>
         <pc:docMk/>
       </pc:docMkLst>
@@ -171,6 +172,29 @@
           </ac:picMkLst>
         </pc:picChg>
       </pc:sldChg>
+      <pc:sldChg chg="delSp modSp add mod">
+        <pc:chgData name="Toufique Mahlangu" userId="a9111f69-c5f6-4786-8d4e-097090edd47a" providerId="ADAL" clId="{86D9F347-64C6-443A-A4E1-79882169E894}" dt="2025-04-11T13:19:35.180" v="631" actId="14100"/>
+        <pc:sldMkLst>
+          <pc:docMk/>
+          <pc:sldMk cId="2999634297" sldId="257"/>
+        </pc:sldMkLst>
+        <pc:spChg chg="del">
+          <ac:chgData name="Toufique Mahlangu" userId="a9111f69-c5f6-4786-8d4e-097090edd47a" providerId="ADAL" clId="{86D9F347-64C6-443A-A4E1-79882169E894}" dt="2025-04-11T13:19:17.380" v="627" actId="478"/>
+          <ac:spMkLst>
+            <pc:docMk/>
+            <pc:sldMk cId="2999634297" sldId="257"/>
+            <ac:spMk id="8" creationId="{9D792628-8549-19AE-335C-7623C6D72DAD}"/>
+          </ac:spMkLst>
+        </pc:spChg>
+        <pc:picChg chg="mod">
+          <ac:chgData name="Toufique Mahlangu" userId="a9111f69-c5f6-4786-8d4e-097090edd47a" providerId="ADAL" clId="{86D9F347-64C6-443A-A4E1-79882169E894}" dt="2025-04-11T13:19:35.180" v="631" actId="14100"/>
+          <ac:picMkLst>
+            <pc:docMk/>
+            <pc:sldMk cId="2999634297" sldId="257"/>
+            <ac:picMk id="6" creationId="{BF3D74B1-AF40-0DFB-43A5-E5758F521BB4}"/>
+          </ac:picMkLst>
+        </pc:picChg>
+      </pc:sldChg>
       <pc:sldChg chg="addSp delSp modSp new del mod">
         <pc:chgData name="Toufique Mahlangu" userId="a9111f69-c5f6-4786-8d4e-097090edd47a" providerId="ADAL" clId="{86D9F347-64C6-443A-A4E1-79882169E894}" dt="2025-04-10T12:54:29" v="570" actId="47"/>
         <pc:sldMkLst>
@@ -265,7 +289,7 @@
           <a:p>
             <a:fld id="{5DCC13F8-7B45-4A5B-A91D-C6F175189C0D}" type="datetimeFigureOut">
               <a:rPr lang="en-ZA" smtClean="0"/>
-              <a:t>2025/04/10</a:t>
+              <a:t>2025/04/11</a:t>
             </a:fld>
             <a:endParaRPr lang="en-ZA"/>
           </a:p>
@@ -617,6 +641,114 @@
 </p:notes>
 </file>
 
+<file path=ppt/notesSlides/notesSlide2.xml><?xml version="1.0" encoding="utf-8"?>
+<p:notes xmlns:a="http://schemas.openxmlformats.org/drawingml/2006/main" xmlns:r="http://schemas.openxmlformats.org/officeDocument/2006/relationships" xmlns:p="http://schemas.openxmlformats.org/presentationml/2006/main">
+  <p:cSld>
+    <p:spTree>
+      <p:nvGrpSpPr>
+        <p:cNvPr id="1" name="">
+          <a:extLst>
+            <a:ext uri="{FF2B5EF4-FFF2-40B4-BE49-F238E27FC236}">
+              <a16:creationId xmlns:a16="http://schemas.microsoft.com/office/drawing/2014/main" id="{5AD12366-FAB2-F113-00A2-58C0EF4FF873}"/>
+            </a:ext>
+          </a:extLst>
+        </p:cNvPr>
+        <p:cNvGrpSpPr/>
+        <p:nvPr/>
+      </p:nvGrpSpPr>
+      <p:grpSpPr>
+        <a:xfrm>
+          <a:off x="0" y="0"/>
+          <a:ext cx="0" cy="0"/>
+          <a:chOff x="0" y="0"/>
+          <a:chExt cx="0" cy="0"/>
+        </a:xfrm>
+      </p:grpSpPr>
+      <p:sp>
+        <p:nvSpPr>
+          <p:cNvPr id="2" name="Slide Image Placeholder 1">
+            <a:extLst>
+              <a:ext uri="{FF2B5EF4-FFF2-40B4-BE49-F238E27FC236}">
+                <a16:creationId xmlns:a16="http://schemas.microsoft.com/office/drawing/2014/main" id="{7F1DA529-34C8-0F9C-D3CE-569499D5E103}"/>
+              </a:ext>
+            </a:extLst>
+          </p:cNvPr>
+          <p:cNvSpPr>
+            <a:spLocks noGrp="1" noRot="1" noChangeAspect="1"/>
+          </p:cNvSpPr>
+          <p:nvPr>
+            <p:ph type="sldImg"/>
+          </p:nvPr>
+        </p:nvSpPr>
+        <p:spPr/>
+      </p:sp>
+      <p:sp>
+        <p:nvSpPr>
+          <p:cNvPr id="3" name="Notes Placeholder 2">
+            <a:extLst>
+              <a:ext uri="{FF2B5EF4-FFF2-40B4-BE49-F238E27FC236}">
+                <a16:creationId xmlns:a16="http://schemas.microsoft.com/office/drawing/2014/main" id="{55E65A97-305C-F95D-9517-FF96FA0A917C}"/>
+              </a:ext>
+            </a:extLst>
+          </p:cNvPr>
+          <p:cNvSpPr>
+            <a:spLocks noGrp="1"/>
+          </p:cNvSpPr>
+          <p:nvPr>
+            <p:ph type="body" idx="1"/>
+          </p:nvPr>
+        </p:nvSpPr>
+        <p:spPr/>
+        <p:txBody>
+          <a:bodyPr/>
+          <a:lstStyle/>
+          <a:p>
+            <a:endParaRPr lang="en-ZA" dirty="0"/>
+          </a:p>
+        </p:txBody>
+      </p:sp>
+      <p:sp>
+        <p:nvSpPr>
+          <p:cNvPr id="4" name="Slide Number Placeholder 3">
+            <a:extLst>
+              <a:ext uri="{FF2B5EF4-FFF2-40B4-BE49-F238E27FC236}">
+                <a16:creationId xmlns:a16="http://schemas.microsoft.com/office/drawing/2014/main" id="{4B757ED1-C36E-59BB-EDF8-3F8D39C3D8FA}"/>
+              </a:ext>
+            </a:extLst>
+          </p:cNvPr>
+          <p:cNvSpPr>
+            <a:spLocks noGrp="1"/>
+          </p:cNvSpPr>
+          <p:nvPr>
+            <p:ph type="sldNum" sz="quarter" idx="5"/>
+          </p:nvPr>
+        </p:nvSpPr>
+        <p:spPr/>
+        <p:txBody>
+          <a:bodyPr/>
+          <a:lstStyle/>
+          <a:p>
+            <a:fld id="{A87D3712-F707-4ECF-B1D8-A9F48800C990}" type="slidenum">
+              <a:rPr lang="en-ZA" smtClean="0"/>
+              <a:t>2</a:t>
+            </a:fld>
+            <a:endParaRPr lang="en-ZA"/>
+          </a:p>
+        </p:txBody>
+      </p:sp>
+    </p:spTree>
+    <p:extLst>
+      <p:ext uri="{BB962C8B-B14F-4D97-AF65-F5344CB8AC3E}">
+        <p14:creationId xmlns:p14="http://schemas.microsoft.com/office/powerpoint/2010/main" val="1062758214"/>
+      </p:ext>
+    </p:extLst>
+  </p:cSld>
+  <p:clrMapOvr>
+    <a:masterClrMapping/>
+  </p:clrMapOvr>
+</p:notes>
+</file>
+
 <file path=ppt/slideLayouts/slideLayout1.xml><?xml version="1.0" encoding="utf-8"?>
 <p:sldLayout xmlns:a="http://schemas.openxmlformats.org/drawingml/2006/main" xmlns:r="http://schemas.openxmlformats.org/officeDocument/2006/relationships" xmlns:p="http://schemas.openxmlformats.org/presentationml/2006/main" type="title" preserve="1">
   <p:cSld name="Title Slide">
@@ -766,7 +898,7 @@
           <a:p>
             <a:fld id="{7041E72C-A212-40BA-975D-51722E5BFC21}" type="datetimeFigureOut">
               <a:rPr lang="en-ZA" smtClean="0"/>
-              <a:t>2025/04/10</a:t>
+              <a:t>2025/04/11</a:t>
             </a:fld>
             <a:endParaRPr lang="en-ZA"/>
           </a:p>
@@ -966,7 +1098,7 @@
           <a:p>
             <a:fld id="{7041E72C-A212-40BA-975D-51722E5BFC21}" type="datetimeFigureOut">
               <a:rPr lang="en-ZA" smtClean="0"/>
-              <a:t>2025/04/10</a:t>
+              <a:t>2025/04/11</a:t>
             </a:fld>
             <a:endParaRPr lang="en-ZA"/>
           </a:p>
@@ -1176,7 +1308,7 @@
           <a:p>
             <a:fld id="{7041E72C-A212-40BA-975D-51722E5BFC21}" type="datetimeFigureOut">
               <a:rPr lang="en-ZA" smtClean="0"/>
-              <a:t>2025/04/10</a:t>
+              <a:t>2025/04/11</a:t>
             </a:fld>
             <a:endParaRPr lang="en-ZA"/>
           </a:p>
@@ -1376,7 +1508,7 @@
           <a:p>
             <a:fld id="{7041E72C-A212-40BA-975D-51722E5BFC21}" type="datetimeFigureOut">
               <a:rPr lang="en-ZA" smtClean="0"/>
-              <a:t>2025/04/10</a:t>
+              <a:t>2025/04/11</a:t>
             </a:fld>
             <a:endParaRPr lang="en-ZA"/>
           </a:p>
@@ -1652,7 +1784,7 @@
           <a:p>
             <a:fld id="{7041E72C-A212-40BA-975D-51722E5BFC21}" type="datetimeFigureOut">
               <a:rPr lang="en-ZA" smtClean="0"/>
-              <a:t>2025/04/10</a:t>
+              <a:t>2025/04/11</a:t>
             </a:fld>
             <a:endParaRPr lang="en-ZA"/>
           </a:p>
@@ -1920,7 +2052,7 @@
           <a:p>
             <a:fld id="{7041E72C-A212-40BA-975D-51722E5BFC21}" type="datetimeFigureOut">
               <a:rPr lang="en-ZA" smtClean="0"/>
-              <a:t>2025/04/10</a:t>
+              <a:t>2025/04/11</a:t>
             </a:fld>
             <a:endParaRPr lang="en-ZA"/>
           </a:p>
@@ -2335,7 +2467,7 @@
           <a:p>
             <a:fld id="{7041E72C-A212-40BA-975D-51722E5BFC21}" type="datetimeFigureOut">
               <a:rPr lang="en-ZA" smtClean="0"/>
-              <a:t>2025/04/10</a:t>
+              <a:t>2025/04/11</a:t>
             </a:fld>
             <a:endParaRPr lang="en-ZA"/>
           </a:p>
@@ -2477,7 +2609,7 @@
           <a:p>
             <a:fld id="{7041E72C-A212-40BA-975D-51722E5BFC21}" type="datetimeFigureOut">
               <a:rPr lang="en-ZA" smtClean="0"/>
-              <a:t>2025/04/10</a:t>
+              <a:t>2025/04/11</a:t>
             </a:fld>
             <a:endParaRPr lang="en-ZA"/>
           </a:p>
@@ -2590,7 +2722,7 @@
           <a:p>
             <a:fld id="{7041E72C-A212-40BA-975D-51722E5BFC21}" type="datetimeFigureOut">
               <a:rPr lang="en-ZA" smtClean="0"/>
-              <a:t>2025/04/10</a:t>
+              <a:t>2025/04/11</a:t>
             </a:fld>
             <a:endParaRPr lang="en-ZA"/>
           </a:p>
@@ -2903,7 +3035,7 @@
           <a:p>
             <a:fld id="{7041E72C-A212-40BA-975D-51722E5BFC21}" type="datetimeFigureOut">
               <a:rPr lang="en-ZA" smtClean="0"/>
-              <a:t>2025/04/10</a:t>
+              <a:t>2025/04/11</a:t>
             </a:fld>
             <a:endParaRPr lang="en-ZA"/>
           </a:p>
@@ -3192,7 +3324,7 @@
           <a:p>
             <a:fld id="{7041E72C-A212-40BA-975D-51722E5BFC21}" type="datetimeFigureOut">
               <a:rPr lang="en-ZA" smtClean="0"/>
-              <a:t>2025/04/10</a:t>
+              <a:t>2025/04/11</a:t>
             </a:fld>
             <a:endParaRPr lang="en-ZA"/>
           </a:p>
@@ -3435,7 +3567,7 @@
           <a:p>
             <a:fld id="{7041E72C-A212-40BA-975D-51722E5BFC21}" type="datetimeFigureOut">
               <a:rPr lang="en-ZA" smtClean="0"/>
-              <a:t>2025/04/10</a:t>
+              <a:t>2025/04/11</a:t>
             </a:fld>
             <a:endParaRPr lang="en-ZA"/>
           </a:p>
@@ -3976,6 +4108,86 @@
     <p:extLst>
       <p:ext uri="{BB962C8B-B14F-4D97-AF65-F5344CB8AC3E}">
         <p14:creationId xmlns:p14="http://schemas.microsoft.com/office/powerpoint/2010/main" val="3843180904"/>
+      </p:ext>
+    </p:extLst>
+  </p:cSld>
+  <p:clrMapOvr>
+    <a:masterClrMapping/>
+  </p:clrMapOvr>
+</p:sld>
+</file>
+
+<file path=ppt/slides/slide2.xml><?xml version="1.0" encoding="utf-8"?>
+<p:sld xmlns:a="http://schemas.openxmlformats.org/drawingml/2006/main" xmlns:r="http://schemas.openxmlformats.org/officeDocument/2006/relationships" xmlns:p="http://schemas.openxmlformats.org/presentationml/2006/main">
+  <p:cSld>
+    <p:bg>
+      <p:bgPr>
+        <a:solidFill>
+          <a:srgbClr val="EEEEEE"/>
+        </a:solidFill>
+        <a:effectLst/>
+      </p:bgPr>
+    </p:bg>
+    <p:spTree>
+      <p:nvGrpSpPr>
+        <p:cNvPr id="1" name="">
+          <a:extLst>
+            <a:ext uri="{FF2B5EF4-FFF2-40B4-BE49-F238E27FC236}">
+              <a16:creationId xmlns:a16="http://schemas.microsoft.com/office/drawing/2014/main" id="{E8A9BD63-C783-0F5B-C3CC-8C72F7338896}"/>
+            </a:ext>
+          </a:extLst>
+        </p:cNvPr>
+        <p:cNvGrpSpPr/>
+        <p:nvPr/>
+      </p:nvGrpSpPr>
+      <p:grpSpPr>
+        <a:xfrm>
+          <a:off x="0" y="0"/>
+          <a:ext cx="0" cy="0"/>
+          <a:chOff x="0" y="0"/>
+          <a:chExt cx="0" cy="0"/>
+        </a:xfrm>
+      </p:grpSpPr>
+      <p:pic>
+        <p:nvPicPr>
+          <p:cNvPr id="6" name="Picture 5" descr="A close-up of a blue and brown background&#10;&#10;AI-generated content may be incorrect.">
+            <a:extLst>
+              <a:ext uri="{FF2B5EF4-FFF2-40B4-BE49-F238E27FC236}">
+                <a16:creationId xmlns:a16="http://schemas.microsoft.com/office/drawing/2014/main" id="{BF3D74B1-AF40-0DFB-43A5-E5758F521BB4}"/>
+              </a:ext>
+            </a:extLst>
+          </p:cNvPr>
+          <p:cNvPicPr>
+            <a:picLocks noChangeAspect="1"/>
+          </p:cNvPicPr>
+          <p:nvPr/>
+        </p:nvPicPr>
+        <p:blipFill>
+          <a:blip r:embed="rId3">
+            <a:extLst>
+              <a:ext uri="{28A0092B-C50C-407E-A947-70E740481C1C}">
+                <a14:useLocalDpi xmlns:a14="http://schemas.microsoft.com/office/drawing/2010/main" val="0"/>
+              </a:ext>
+            </a:extLst>
+          </a:blip>
+          <a:stretch>
+            <a:fillRect/>
+          </a:stretch>
+        </p:blipFill>
+        <p:spPr>
+          <a:xfrm>
+            <a:off x="5087911" y="2844860"/>
+            <a:ext cx="1873328" cy="793469"/>
+          </a:xfrm>
+          <a:prstGeom prst="rect">
+            <a:avLst/>
+          </a:prstGeom>
+        </p:spPr>
+      </p:pic>
+    </p:spTree>
+    <p:extLst>
+      <p:ext uri="{BB962C8B-B14F-4D97-AF65-F5344CB8AC3E}">
+        <p14:creationId xmlns:p14="http://schemas.microsoft.com/office/powerpoint/2010/main" val="2999634297"/>
       </p:ext>
     </p:extLst>
   </p:cSld>

--- a/img/logo.pptx
+++ b/img/logo.pptx
@@ -289,7 +289,7 @@
           <a:p>
             <a:fld id="{5DCC13F8-7B45-4A5B-A91D-C6F175189C0D}" type="datetimeFigureOut">
               <a:rPr lang="en-ZA" smtClean="0"/>
-              <a:t>2025/04/11</a:t>
+              <a:t>2025/04/18</a:t>
             </a:fld>
             <a:endParaRPr lang="en-ZA"/>
           </a:p>
@@ -898,7 +898,7 @@
           <a:p>
             <a:fld id="{7041E72C-A212-40BA-975D-51722E5BFC21}" type="datetimeFigureOut">
               <a:rPr lang="en-ZA" smtClean="0"/>
-              <a:t>2025/04/11</a:t>
+              <a:t>2025/04/18</a:t>
             </a:fld>
             <a:endParaRPr lang="en-ZA"/>
           </a:p>
@@ -1098,7 +1098,7 @@
           <a:p>
             <a:fld id="{7041E72C-A212-40BA-975D-51722E5BFC21}" type="datetimeFigureOut">
               <a:rPr lang="en-ZA" smtClean="0"/>
-              <a:t>2025/04/11</a:t>
+              <a:t>2025/04/18</a:t>
             </a:fld>
             <a:endParaRPr lang="en-ZA"/>
           </a:p>
@@ -1308,7 +1308,7 @@
           <a:p>
             <a:fld id="{7041E72C-A212-40BA-975D-51722E5BFC21}" type="datetimeFigureOut">
               <a:rPr lang="en-ZA" smtClean="0"/>
-              <a:t>2025/04/11</a:t>
+              <a:t>2025/04/18</a:t>
             </a:fld>
             <a:endParaRPr lang="en-ZA"/>
           </a:p>
@@ -1508,7 +1508,7 @@
           <a:p>
             <a:fld id="{7041E72C-A212-40BA-975D-51722E5BFC21}" type="datetimeFigureOut">
               <a:rPr lang="en-ZA" smtClean="0"/>
-              <a:t>2025/04/11</a:t>
+              <a:t>2025/04/18</a:t>
             </a:fld>
             <a:endParaRPr lang="en-ZA"/>
           </a:p>
@@ -1784,7 +1784,7 @@
           <a:p>
             <a:fld id="{7041E72C-A212-40BA-975D-51722E5BFC21}" type="datetimeFigureOut">
               <a:rPr lang="en-ZA" smtClean="0"/>
-              <a:t>2025/04/11</a:t>
+              <a:t>2025/04/18</a:t>
             </a:fld>
             <a:endParaRPr lang="en-ZA"/>
           </a:p>
@@ -2052,7 +2052,7 @@
           <a:p>
             <a:fld id="{7041E72C-A212-40BA-975D-51722E5BFC21}" type="datetimeFigureOut">
               <a:rPr lang="en-ZA" smtClean="0"/>
-              <a:t>2025/04/11</a:t>
+              <a:t>2025/04/18</a:t>
             </a:fld>
             <a:endParaRPr lang="en-ZA"/>
           </a:p>
@@ -2467,7 +2467,7 @@
           <a:p>
             <a:fld id="{7041E72C-A212-40BA-975D-51722E5BFC21}" type="datetimeFigureOut">
               <a:rPr lang="en-ZA" smtClean="0"/>
-              <a:t>2025/04/11</a:t>
+              <a:t>2025/04/18</a:t>
             </a:fld>
             <a:endParaRPr lang="en-ZA"/>
           </a:p>
@@ -2609,7 +2609,7 @@
           <a:p>
             <a:fld id="{7041E72C-A212-40BA-975D-51722E5BFC21}" type="datetimeFigureOut">
               <a:rPr lang="en-ZA" smtClean="0"/>
-              <a:t>2025/04/11</a:t>
+              <a:t>2025/04/18</a:t>
             </a:fld>
             <a:endParaRPr lang="en-ZA"/>
           </a:p>
@@ -2722,7 +2722,7 @@
           <a:p>
             <a:fld id="{7041E72C-A212-40BA-975D-51722E5BFC21}" type="datetimeFigureOut">
               <a:rPr lang="en-ZA" smtClean="0"/>
-              <a:t>2025/04/11</a:t>
+              <a:t>2025/04/18</a:t>
             </a:fld>
             <a:endParaRPr lang="en-ZA"/>
           </a:p>
@@ -3035,7 +3035,7 @@
           <a:p>
             <a:fld id="{7041E72C-A212-40BA-975D-51722E5BFC21}" type="datetimeFigureOut">
               <a:rPr lang="en-ZA" smtClean="0"/>
-              <a:t>2025/04/11</a:t>
+              <a:t>2025/04/18</a:t>
             </a:fld>
             <a:endParaRPr lang="en-ZA"/>
           </a:p>
@@ -3324,7 +3324,7 @@
           <a:p>
             <a:fld id="{7041E72C-A212-40BA-975D-51722E5BFC21}" type="datetimeFigureOut">
               <a:rPr lang="en-ZA" smtClean="0"/>
-              <a:t>2025/04/11</a:t>
+              <a:t>2025/04/18</a:t>
             </a:fld>
             <a:endParaRPr lang="en-ZA"/>
           </a:p>
@@ -3567,7 +3567,7 @@
           <a:p>
             <a:fld id="{7041E72C-A212-40BA-975D-51722E5BFC21}" type="datetimeFigureOut">
               <a:rPr lang="en-ZA" smtClean="0"/>
-              <a:t>2025/04/11</a:t>
+              <a:t>2025/04/18</a:t>
             </a:fld>
             <a:endParaRPr lang="en-ZA"/>
           </a:p>
@@ -4062,23 +4062,17 @@
                   <a:srgbClr val="825B32"/>
                 </a:solidFill>
               </a:rPr>
-              <a:t>EcoPeace MC Enterprise (</a:t>
-            </a:r>
-            <a:r>
-              <a:rPr lang="en-US" sz="3600" dirty="0" err="1">
-                <a:solidFill>
-                  <a:srgbClr val="825B32"/>
-                </a:solidFill>
-              </a:rPr>
-              <a:t>pty</a:t>
-            </a:r>
+              <a:t>EcoPeace MC Enterprise (Pty) Ltd</a:t>
+            </a:r>
+          </a:p>
+          <a:p>
             <a:r>
               <a:rPr lang="en-US" sz="3600" dirty="0">
                 <a:solidFill>
                   <a:srgbClr val="825B32"/>
                 </a:solidFill>
               </a:rPr>
-              <a:t>) Ltd</a:t>
+              <a:t>South Africa</a:t>
             </a:r>
             <a:endParaRPr lang="en-US" sz="3600" dirty="0"/>
           </a:p>
@@ -4090,16 +4084,6 @@
                 </a:solidFill>
               </a:rPr>
               <a:t>An economy by means of peace</a:t>
-            </a:r>
-          </a:p>
-          <a:p>
-            <a:r>
-              <a:rPr lang="en-US" sz="3600" dirty="0">
-                <a:solidFill>
-                  <a:srgbClr val="825B32"/>
-                </a:solidFill>
-              </a:rPr>
-              <a:t>South Africa</a:t>
             </a:r>
           </a:p>
         </p:txBody>
